--- a/ワンシート.pptx
+++ b/ワンシート.pptx
@@ -254,7 +254,7 @@
           <a:p>
             <a:fld id="{B6567502-D1C1-4392-9266-17C23C0DCE3C}" type="datetimeFigureOut">
               <a:rPr kumimoji="1" lang="ja-JP" altLang="en-US" smtClean="0"/>
-              <a:t>2022/4/14</a:t>
+              <a:t>2022/4/15</a:t>
             </a:fld>
             <a:endParaRPr kumimoji="1" lang="ja-JP" altLang="en-US"/>
           </a:p>
@@ -456,7 +456,7 @@
           <a:p>
             <a:fld id="{B6567502-D1C1-4392-9266-17C23C0DCE3C}" type="datetimeFigureOut">
               <a:rPr kumimoji="1" lang="ja-JP" altLang="en-US" smtClean="0"/>
-              <a:t>2022/4/14</a:t>
+              <a:t>2022/4/15</a:t>
             </a:fld>
             <a:endParaRPr kumimoji="1" lang="ja-JP" altLang="en-US"/>
           </a:p>
@@ -668,7 +668,7 @@
           <a:p>
             <a:fld id="{B6567502-D1C1-4392-9266-17C23C0DCE3C}" type="datetimeFigureOut">
               <a:rPr kumimoji="1" lang="ja-JP" altLang="en-US" smtClean="0"/>
-              <a:t>2022/4/14</a:t>
+              <a:t>2022/4/15</a:t>
             </a:fld>
             <a:endParaRPr kumimoji="1" lang="ja-JP" altLang="en-US"/>
           </a:p>
@@ -870,7 +870,7 @@
           <a:p>
             <a:fld id="{B6567502-D1C1-4392-9266-17C23C0DCE3C}" type="datetimeFigureOut">
               <a:rPr kumimoji="1" lang="ja-JP" altLang="en-US" smtClean="0"/>
-              <a:t>2022/4/14</a:t>
+              <a:t>2022/4/15</a:t>
             </a:fld>
             <a:endParaRPr kumimoji="1" lang="ja-JP" altLang="en-US"/>
           </a:p>
@@ -1114,7 +1114,7 @@
           <a:p>
             <a:fld id="{B6567502-D1C1-4392-9266-17C23C0DCE3C}" type="datetimeFigureOut">
               <a:rPr kumimoji="1" lang="ja-JP" altLang="en-US" smtClean="0"/>
-              <a:t>2022/4/14</a:t>
+              <a:t>2022/4/15</a:t>
             </a:fld>
             <a:endParaRPr kumimoji="1" lang="ja-JP" altLang="en-US"/>
           </a:p>
@@ -1410,7 +1410,7 @@
           <a:p>
             <a:fld id="{B6567502-D1C1-4392-9266-17C23C0DCE3C}" type="datetimeFigureOut">
               <a:rPr kumimoji="1" lang="ja-JP" altLang="en-US" smtClean="0"/>
-              <a:t>2022/4/14</a:t>
+              <a:t>2022/4/15</a:t>
             </a:fld>
             <a:endParaRPr kumimoji="1" lang="ja-JP" altLang="en-US"/>
           </a:p>
@@ -1841,7 +1841,7 @@
           <a:p>
             <a:fld id="{B6567502-D1C1-4392-9266-17C23C0DCE3C}" type="datetimeFigureOut">
               <a:rPr kumimoji="1" lang="ja-JP" altLang="en-US" smtClean="0"/>
-              <a:t>2022/4/14</a:t>
+              <a:t>2022/4/15</a:t>
             </a:fld>
             <a:endParaRPr kumimoji="1" lang="ja-JP" altLang="en-US"/>
           </a:p>
@@ -1959,7 +1959,7 @@
           <a:p>
             <a:fld id="{B6567502-D1C1-4392-9266-17C23C0DCE3C}" type="datetimeFigureOut">
               <a:rPr kumimoji="1" lang="ja-JP" altLang="en-US" smtClean="0"/>
-              <a:t>2022/4/14</a:t>
+              <a:t>2022/4/15</a:t>
             </a:fld>
             <a:endParaRPr kumimoji="1" lang="ja-JP" altLang="en-US"/>
           </a:p>
@@ -2054,7 +2054,7 @@
           <a:p>
             <a:fld id="{B6567502-D1C1-4392-9266-17C23C0DCE3C}" type="datetimeFigureOut">
               <a:rPr kumimoji="1" lang="ja-JP" altLang="en-US" smtClean="0"/>
-              <a:t>2022/4/14</a:t>
+              <a:t>2022/4/15</a:t>
             </a:fld>
             <a:endParaRPr kumimoji="1" lang="ja-JP" altLang="en-US"/>
           </a:p>
@@ -2363,7 +2363,7 @@
           <a:p>
             <a:fld id="{B6567502-D1C1-4392-9266-17C23C0DCE3C}" type="datetimeFigureOut">
               <a:rPr kumimoji="1" lang="ja-JP" altLang="en-US" smtClean="0"/>
-              <a:t>2022/4/14</a:t>
+              <a:t>2022/4/15</a:t>
             </a:fld>
             <a:endParaRPr kumimoji="1" lang="ja-JP" altLang="en-US"/>
           </a:p>
@@ -2620,7 +2620,7 @@
           <a:p>
             <a:fld id="{B6567502-D1C1-4392-9266-17C23C0DCE3C}" type="datetimeFigureOut">
               <a:rPr kumimoji="1" lang="ja-JP" altLang="en-US" smtClean="0"/>
-              <a:t>2022/4/14</a:t>
+              <a:t>2022/4/15</a:t>
             </a:fld>
             <a:endParaRPr kumimoji="1" lang="ja-JP" altLang="en-US"/>
           </a:p>
@@ -2865,7 +2865,7 @@
           <a:p>
             <a:fld id="{B6567502-D1C1-4392-9266-17C23C0DCE3C}" type="datetimeFigureOut">
               <a:rPr kumimoji="1" lang="ja-JP" altLang="en-US" smtClean="0"/>
-              <a:t>2022/4/14</a:t>
+              <a:t>2022/4/15</a:t>
             </a:fld>
             <a:endParaRPr kumimoji="1" lang="ja-JP" altLang="en-US"/>
           </a:p>
